--- a/Lecture Notes/Lecture 4 Notes.pptx
+++ b/Lecture Notes/Lecture 4 Notes.pptx
@@ -294,7 +294,7 @@
           <a:p>
             <a:fld id="{DC23C054-0FFA-4B24-9642-81ACD48FC7EF}" type="datetimeFigureOut">
               <a:rPr lang="en-US" smtClean="0"/>
-              <a:t>10/18/2021</a:t>
+              <a:t>11/1/2021</a:t>
             </a:fld>
             <a:endParaRPr lang="en-US"/>
           </a:p>
@@ -522,7 +522,7 @@
           <a:p>
             <a:fld id="{DC23C054-0FFA-4B24-9642-81ACD48FC7EF}" type="datetimeFigureOut">
               <a:rPr lang="en-US" smtClean="0"/>
-              <a:t>10/18/2021</a:t>
+              <a:t>11/1/2021</a:t>
             </a:fld>
             <a:endParaRPr lang="en-US"/>
           </a:p>
@@ -702,7 +702,7 @@
           <a:p>
             <a:fld id="{DC23C054-0FFA-4B24-9642-81ACD48FC7EF}" type="datetimeFigureOut">
               <a:rPr lang="en-US" smtClean="0"/>
-              <a:t>10/18/2021</a:t>
+              <a:t>11/1/2021</a:t>
             </a:fld>
             <a:endParaRPr lang="en-US"/>
           </a:p>
@@ -872,7 +872,7 @@
           <a:p>
             <a:fld id="{DC23C054-0FFA-4B24-9642-81ACD48FC7EF}" type="datetimeFigureOut">
               <a:rPr lang="en-US" smtClean="0"/>
-              <a:t>10/18/2021</a:t>
+              <a:t>11/1/2021</a:t>
             </a:fld>
             <a:endParaRPr lang="en-US"/>
           </a:p>
@@ -1126,7 +1126,7 @@
           <a:p>
             <a:fld id="{DC23C054-0FFA-4B24-9642-81ACD48FC7EF}" type="datetimeFigureOut">
               <a:rPr lang="en-US" smtClean="0"/>
-              <a:t>10/18/2021</a:t>
+              <a:t>11/1/2021</a:t>
             </a:fld>
             <a:endParaRPr lang="en-US"/>
           </a:p>
@@ -1452,7 +1452,7 @@
           <a:p>
             <a:fld id="{DC23C054-0FFA-4B24-9642-81ACD48FC7EF}" type="datetimeFigureOut">
               <a:rPr lang="en-US" smtClean="0"/>
-              <a:t>10/18/2021</a:t>
+              <a:t>11/1/2021</a:t>
             </a:fld>
             <a:endParaRPr lang="en-US"/>
           </a:p>
@@ -1903,7 +1903,7 @@
           <a:p>
             <a:fld id="{DC23C054-0FFA-4B24-9642-81ACD48FC7EF}" type="datetimeFigureOut">
               <a:rPr lang="en-US" smtClean="0"/>
-              <a:t>10/18/2021</a:t>
+              <a:t>11/1/2021</a:t>
             </a:fld>
             <a:endParaRPr lang="en-US"/>
           </a:p>
@@ -2021,7 +2021,7 @@
           <a:p>
             <a:fld id="{DC23C054-0FFA-4B24-9642-81ACD48FC7EF}" type="datetimeFigureOut">
               <a:rPr lang="en-US" smtClean="0"/>
-              <a:t>10/18/2021</a:t>
+              <a:t>11/1/2021</a:t>
             </a:fld>
             <a:endParaRPr lang="en-US"/>
           </a:p>
@@ -2116,7 +2116,7 @@
           <a:p>
             <a:fld id="{DC23C054-0FFA-4B24-9642-81ACD48FC7EF}" type="datetimeFigureOut">
               <a:rPr lang="en-US" smtClean="0"/>
-              <a:t>10/18/2021</a:t>
+              <a:t>11/1/2021</a:t>
             </a:fld>
             <a:endParaRPr lang="en-US"/>
           </a:p>
@@ -2403,7 +2403,7 @@
           <a:p>
             <a:fld id="{DC23C054-0FFA-4B24-9642-81ACD48FC7EF}" type="datetimeFigureOut">
               <a:rPr lang="en-US" smtClean="0"/>
-              <a:t>10/18/2021</a:t>
+              <a:t>11/1/2021</a:t>
             </a:fld>
             <a:endParaRPr lang="en-US"/>
           </a:p>
@@ -2725,7 +2725,7 @@
           <a:p>
             <a:fld id="{DC23C054-0FFA-4B24-9642-81ACD48FC7EF}" type="datetimeFigureOut">
               <a:rPr lang="en-US" smtClean="0"/>
-              <a:t>10/18/2021</a:t>
+              <a:t>11/1/2021</a:t>
             </a:fld>
             <a:endParaRPr lang="en-US"/>
           </a:p>
@@ -2979,7 +2979,7 @@
           <a:p>
             <a:fld id="{DC23C054-0FFA-4B24-9642-81ACD48FC7EF}" type="datetimeFigureOut">
               <a:rPr lang="en-US" smtClean="0"/>
-              <a:t>10/18/2021</a:t>
+              <a:t>11/1/2021</a:t>
             </a:fld>
             <a:endParaRPr lang="en-US"/>
           </a:p>
@@ -3609,8 +3609,8 @@
           </a:p>
         </p:txBody>
       </p:sp>
-      <mc:AlternateContent xmlns:mc="http://schemas.openxmlformats.org/markup-compatibility/2006">
-        <mc:Choice xmlns:a14="http://schemas.microsoft.com/office/drawing/2010/main" Requires="a14">
+      <mc:AlternateContent xmlns:mc="http://schemas.openxmlformats.org/markup-compatibility/2006" xmlns:a14="http://schemas.microsoft.com/office/drawing/2010/main">
+        <mc:Choice Requires="a14">
           <p:sp>
             <p:nvSpPr>
               <p:cNvPr id="6" name="Content Placeholder 5">
@@ -4049,7 +4049,7 @@
             </p:txBody>
           </p:sp>
         </mc:Choice>
-        <mc:Fallback>
+        <mc:Fallback xmlns="">
           <p:sp>
             <p:nvSpPr>
               <p:cNvPr id="6" name="Content Placeholder 5">
@@ -4153,8 +4153,8 @@
           </a:p>
         </p:txBody>
       </p:sp>
-      <mc:AlternateContent xmlns:mc="http://schemas.openxmlformats.org/markup-compatibility/2006">
-        <mc:Choice xmlns:a14="http://schemas.microsoft.com/office/drawing/2010/main" Requires="a14">
+      <mc:AlternateContent xmlns:mc="http://schemas.openxmlformats.org/markup-compatibility/2006" xmlns:a14="http://schemas.microsoft.com/office/drawing/2010/main">
+        <mc:Choice Requires="a14">
           <p:sp>
             <p:nvSpPr>
               <p:cNvPr id="6" name="Content Placeholder 5">
@@ -4569,7 +4569,7 @@
             </p:txBody>
           </p:sp>
         </mc:Choice>
-        <mc:Fallback>
+        <mc:Fallback xmlns="">
           <p:sp>
             <p:nvSpPr>
               <p:cNvPr id="6" name="Content Placeholder 5">
@@ -4761,8 +4761,8 @@
           </a:p>
         </p:txBody>
       </p:sp>
-      <mc:AlternateContent xmlns:mc="http://schemas.openxmlformats.org/markup-compatibility/2006">
-        <mc:Choice xmlns:a14="http://schemas.microsoft.com/office/drawing/2010/main" Requires="a14">
+      <mc:AlternateContent xmlns:mc="http://schemas.openxmlformats.org/markup-compatibility/2006" xmlns:a14="http://schemas.microsoft.com/office/drawing/2010/main">
+        <mc:Choice Requires="a14">
           <p:sp>
             <p:nvSpPr>
               <p:cNvPr id="6" name="Content Placeholder 5">
@@ -5046,13 +5046,7 @@
                           <a:rPr lang="en-US" sz="3200" i="1">
                             <a:latin typeface="Cambria Math" panose="02040503050406030204" pitchFamily="18" charset="0"/>
                           </a:rPr>
-                          <m:t>−</m:t>
-                        </m:r>
-                        <m:r>
-                          <a:rPr lang="en-US" sz="3200" b="0" i="1" smtClean="0">
-                            <a:latin typeface="Cambria Math" panose="02040503050406030204" pitchFamily="18" charset="0"/>
-                          </a:rPr>
-                          <m:t>2</m:t>
+                          <m:t>−2</m:t>
                         </m:r>
                       </m:sub>
                     </m:sSub>
@@ -5169,7 +5163,7 @@
             </p:txBody>
           </p:sp>
         </mc:Choice>
-        <mc:Fallback>
+        <mc:Fallback xmlns="">
           <p:sp>
             <p:nvSpPr>
               <p:cNvPr id="6" name="Content Placeholder 5">
@@ -5303,8 +5297,8 @@
           </a:p>
         </p:txBody>
       </p:sp>
-      <mc:AlternateContent xmlns:mc="http://schemas.openxmlformats.org/markup-compatibility/2006">
-        <mc:Choice xmlns:a14="http://schemas.microsoft.com/office/drawing/2010/main" Requires="a14">
+      <mc:AlternateContent xmlns:mc="http://schemas.openxmlformats.org/markup-compatibility/2006" xmlns:a14="http://schemas.microsoft.com/office/drawing/2010/main">
+        <mc:Choice Requires="a14">
           <p:sp>
             <p:nvSpPr>
               <p:cNvPr id="6" name="Content Placeholder 5">
@@ -5705,7 +5699,7 @@
             </p:txBody>
           </p:sp>
         </mc:Choice>
-        <mc:Fallback>
+        <mc:Fallback xmlns="">
           <p:sp>
             <p:nvSpPr>
               <p:cNvPr id="6" name="Content Placeholder 5">
@@ -7366,8 +7360,8 @@
           </a:p>
         </p:txBody>
       </p:sp>
-      <mc:AlternateContent xmlns:mc="http://schemas.openxmlformats.org/markup-compatibility/2006">
-        <mc:Choice xmlns:a14="http://schemas.microsoft.com/office/drawing/2010/main" Requires="a14">
+      <mc:AlternateContent xmlns:mc="http://schemas.openxmlformats.org/markup-compatibility/2006" xmlns:a14="http://schemas.microsoft.com/office/drawing/2010/main">
+        <mc:Choice Requires="a14">
           <p:sp>
             <p:nvSpPr>
               <p:cNvPr id="4" name="Rectangle: Rounded Corners 3">
@@ -7540,7 +7534,7 @@
             </p:txBody>
           </p:sp>
         </mc:Choice>
-        <mc:Fallback>
+        <mc:Fallback xmlns="">
           <p:sp>
             <p:nvSpPr>
               <p:cNvPr id="4" name="Rectangle: Rounded Corners 3">
@@ -7645,8 +7639,8 @@
           </a:p>
         </p:txBody>
       </p:sp>
-      <mc:AlternateContent xmlns:mc="http://schemas.openxmlformats.org/markup-compatibility/2006">
-        <mc:Choice xmlns:a14="http://schemas.microsoft.com/office/drawing/2010/main" Requires="a14">
+      <mc:AlternateContent xmlns:mc="http://schemas.openxmlformats.org/markup-compatibility/2006" xmlns:a14="http://schemas.microsoft.com/office/drawing/2010/main">
+        <mc:Choice Requires="a14">
           <p:sp>
             <p:nvSpPr>
               <p:cNvPr id="6" name="Content Placeholder 5">
@@ -7791,7 +7785,7 @@
             </p:txBody>
           </p:sp>
         </mc:Choice>
-        <mc:Fallback>
+        <mc:Fallback xmlns="">
           <p:sp>
             <p:nvSpPr>
               <p:cNvPr id="6" name="Content Placeholder 5">
@@ -7983,8 +7977,8 @@
           </a:p>
         </p:txBody>
       </p:sp>
-      <mc:AlternateContent xmlns:mc="http://schemas.openxmlformats.org/markup-compatibility/2006">
-        <mc:Choice xmlns:a14="http://schemas.microsoft.com/office/drawing/2010/main" Requires="a14">
+      <mc:AlternateContent xmlns:mc="http://schemas.openxmlformats.org/markup-compatibility/2006" xmlns:a14="http://schemas.microsoft.com/office/drawing/2010/main">
+        <mc:Choice Requires="a14">
           <p:sp>
             <p:nvSpPr>
               <p:cNvPr id="6" name="Content Placeholder 5">
@@ -8189,7 +8183,7 @@
             </p:txBody>
           </p:sp>
         </mc:Choice>
-        <mc:Fallback>
+        <mc:Fallback xmlns="">
           <p:sp>
             <p:nvSpPr>
               <p:cNvPr id="6" name="Content Placeholder 5">
